--- a/training-cards/agile moves/Ideas (IDE)/ger/apprentice/ger_IDE_10_Drain_Snake_AM_A.pptx
+++ b/training-cards/agile moves/Ideas (IDE)/ger/apprentice/ger_IDE_10_Drain_Snake_AM_A.pptx
@@ -1092,7 +1092,7 @@
                 <a:latin typeface="Avenir Light"/>
                 <a:cs typeface="Avenir Light"/>
               </a:rPr>
-              <a:t>27.11.15</a:t>
+              <a:t>29.11.15</a:t>
             </a:fld>
             <a:endParaRPr lang="de-DE" sz="600" dirty="0">
               <a:solidFill>
@@ -1737,7 +1737,7 @@
                 <a:latin typeface="Avenir Light"/>
                 <a:cs typeface="Avenir Light"/>
               </a:rPr>
-              <a:t>27.11.15</a:t>
+              <a:t>29.11.15</a:t>
             </a:fld>
             <a:endParaRPr lang="de-DE" sz="600" dirty="0">
               <a:solidFill>
@@ -1874,7 +1874,7 @@
                 <a:latin typeface="Avenir Light"/>
                 <a:cs typeface="Avenir Light"/>
               </a:rPr>
-              <a:t>27.11.15</a:t>
+              <a:t>29.11.15</a:t>
             </a:fld>
             <a:endParaRPr lang="de-DE" sz="600" dirty="0">
               <a:solidFill>
@@ -2492,7 +2492,7 @@
                 <a:latin typeface="Avenir Light"/>
                 <a:cs typeface="Avenir Light"/>
               </a:rPr>
-              <a:t>27.11.15</a:t>
+              <a:t>29.11.15</a:t>
             </a:fld>
             <a:endParaRPr lang="de-DE" sz="600" dirty="0">
               <a:solidFill>
@@ -2654,7 +2654,7 @@
                 <a:latin typeface="Avenir Light"/>
                 <a:cs typeface="Avenir Light"/>
               </a:rPr>
-              <a:t>27.11.15</a:t>
+              <a:t>29.11.15</a:t>
             </a:fld>
             <a:endParaRPr lang="de-DE" sz="600" dirty="0">
               <a:solidFill>
@@ -4198,6 +4198,78 @@
           </a:p>
         </p:txBody>
       </p:sp>
+      <p:sp>
+        <p:nvSpPr>
+          <p:cNvPr id="3" name="Textfeld 2"/>
+          <p:cNvSpPr txBox="1"/>
+          <p:nvPr/>
+        </p:nvSpPr>
+        <p:spPr>
+          <a:xfrm>
+            <a:off x="5657788" y="99880"/>
+            <a:ext cx="92329" cy="338550"/>
+          </a:xfrm>
+          <a:prstGeom prst="rect">
+            <a:avLst/>
+          </a:prstGeom>
+          <a:noFill/>
+          <a:ln w="12700" cap="flat">
+            <a:noFill/>
+            <a:miter lim="400000"/>
+          </a:ln>
+          <a:effectLst/>
+        </p:spPr>
+        <p:style>
+          <a:lnRef idx="0">
+            <a:scrgbClr r="0" g="0" b="0"/>
+          </a:lnRef>
+          <a:fillRef idx="0">
+            <a:scrgbClr r="0" g="0" b="0"/>
+          </a:fillRef>
+          <a:effectRef idx="0">
+            <a:scrgbClr r="0" g="0" b="0"/>
+          </a:effectRef>
+          <a:fontRef idx="none"/>
+        </p:style>
+        <p:txBody>
+          <a:bodyPr rot="0" spcFirstLastPara="1" vertOverflow="overflow" horzOverflow="overflow" vert="horz" wrap="none" lIns="45718" tIns="45718" rIns="45718" bIns="45718" numCol="1" spcCol="38100" rtlCol="0" anchor="t">
+            <a:spAutoFit/>
+          </a:bodyPr>
+          <a:lstStyle/>
+          <a:p>
+            <a:pPr marL="0" marR="0" indent="0" algn="l" defTabSz="403387" rtl="0" fontAlgn="auto" latinLnBrk="1" hangingPunct="0">
+              <a:lnSpc>
+                <a:spcPct val="100000"/>
+              </a:lnSpc>
+              <a:spcBef>
+                <a:spcPts val="0"/>
+              </a:spcBef>
+              <a:spcAft>
+                <a:spcPts val="0"/>
+              </a:spcAft>
+              <a:buClrTx/>
+              <a:buSzTx/>
+              <a:buFontTx/>
+              <a:buNone/>
+              <a:tabLst/>
+            </a:pPr>
+            <a:endParaRPr kumimoji="0" lang="de-DE" sz="1600" b="0" i="0" u="none" strike="noStrike" cap="none" spc="0" normalizeH="0" baseline="0">
+              <a:ln>
+                <a:noFill/>
+              </a:ln>
+              <a:solidFill>
+                <a:srgbClr val="000000"/>
+              </a:solidFill>
+              <a:effectLst/>
+              <a:uFillTx/>
+              <a:latin typeface="+mj-lt"/>
+              <a:ea typeface="+mj-ea"/>
+              <a:cs typeface="+mj-cs"/>
+              <a:sym typeface="Helvetica Neue"/>
+            </a:endParaRPr>
+          </a:p>
+        </p:txBody>
+      </p:sp>
     </p:spTree>
   </p:cSld>
   <p:clrMapOvr>

--- a/training-cards/agile moves/Ideas (IDE)/ger/apprentice/ger_IDE_10_Drain_Snake_AM_A.pptx
+++ b/training-cards/agile moves/Ideas (IDE)/ger/apprentice/ger_IDE_10_Drain_Snake_AM_A.pptx
@@ -1092,7 +1092,7 @@
                 <a:latin typeface="Avenir Light"/>
                 <a:cs typeface="Avenir Light"/>
               </a:rPr>
-              <a:t>29.11.15</a:t>
+              <a:t>30.11.15</a:t>
             </a:fld>
             <a:endParaRPr lang="de-DE" sz="600" dirty="0">
               <a:solidFill>
@@ -1737,7 +1737,7 @@
                 <a:latin typeface="Avenir Light"/>
                 <a:cs typeface="Avenir Light"/>
               </a:rPr>
-              <a:t>29.11.15</a:t>
+              <a:t>30.11.15</a:t>
             </a:fld>
             <a:endParaRPr lang="de-DE" sz="600" dirty="0">
               <a:solidFill>
@@ -1874,7 +1874,7 @@
                 <a:latin typeface="Avenir Light"/>
                 <a:cs typeface="Avenir Light"/>
               </a:rPr>
-              <a:t>29.11.15</a:t>
+              <a:t>30.11.15</a:t>
             </a:fld>
             <a:endParaRPr lang="de-DE" sz="600" dirty="0">
               <a:solidFill>
@@ -2492,7 +2492,7 @@
                 <a:latin typeface="Avenir Light"/>
                 <a:cs typeface="Avenir Light"/>
               </a:rPr>
-              <a:t>29.11.15</a:t>
+              <a:t>30.11.15</a:t>
             </a:fld>
             <a:endParaRPr lang="de-DE" sz="600" dirty="0">
               <a:solidFill>
@@ -2654,7 +2654,7 @@
                 <a:latin typeface="Avenir Light"/>
                 <a:cs typeface="Avenir Light"/>
               </a:rPr>
-              <a:t>29.11.15</a:t>
+              <a:t>30.11.15</a:t>
             </a:fld>
             <a:endParaRPr lang="de-DE" sz="600" dirty="0">
               <a:solidFill>
@@ -3764,10 +3764,16 @@
               <a:t>Drain </a:t>
             </a:r>
             <a:r>
-              <a:rPr lang="de-DE" dirty="0" err="1" smtClean="0"/>
+              <a:rPr lang="de-DE" dirty="0" err="1" smtClean="0">
+                <a:latin typeface="Avenir Book"/>
+                <a:cs typeface="Avenir Book"/>
+              </a:rPr>
               <a:t>Snake</a:t>
             </a:r>
-            <a:endParaRPr lang="de-DE" dirty="0"/>
+            <a:endParaRPr lang="de-DE" dirty="0">
+              <a:latin typeface="Avenir Book"/>
+              <a:cs typeface="Avenir Book"/>
+            </a:endParaRPr>
           </a:p>
         </p:txBody>
       </p:sp>
@@ -3781,7 +3787,12 @@
             <p:ph type="body" idx="1"/>
           </p:nvPr>
         </p:nvSpPr>
-        <p:spPr/>
+        <p:spPr>
+          <a:xfrm>
+            <a:off x="1166812" y="979773"/>
+            <a:ext cx="5293998" cy="462332"/>
+          </a:xfrm>
+        </p:spPr>
         <p:txBody>
           <a:bodyPr/>
           <a:lstStyle/>

--- a/training-cards/agile moves/Ideas (IDE)/ger/apprentice/ger_IDE_10_Drain_Snake_AM_A.pptx
+++ b/training-cards/agile moves/Ideas (IDE)/ger/apprentice/ger_IDE_10_Drain_Snake_AM_A.pptx
@@ -1092,7 +1092,7 @@
                 <a:latin typeface="Avenir Light"/>
                 <a:cs typeface="Avenir Light"/>
               </a:rPr>
-              <a:t>30.11.15</a:t>
+              <a:t>01.03.16</a:t>
             </a:fld>
             <a:endParaRPr lang="de-DE" sz="600" dirty="0">
               <a:solidFill>
@@ -1737,7 +1737,7 @@
                 <a:latin typeface="Avenir Light"/>
                 <a:cs typeface="Avenir Light"/>
               </a:rPr>
-              <a:t>30.11.15</a:t>
+              <a:t>01.03.16</a:t>
             </a:fld>
             <a:endParaRPr lang="de-DE" sz="600" dirty="0">
               <a:solidFill>
@@ -1874,7 +1874,7 @@
                 <a:latin typeface="Avenir Light"/>
                 <a:cs typeface="Avenir Light"/>
               </a:rPr>
-              <a:t>30.11.15</a:t>
+              <a:t>01.03.16</a:t>
             </a:fld>
             <a:endParaRPr lang="de-DE" sz="600" dirty="0">
               <a:solidFill>
@@ -2492,7 +2492,7 @@
                 <a:latin typeface="Avenir Light"/>
                 <a:cs typeface="Avenir Light"/>
               </a:rPr>
-              <a:t>30.11.15</a:t>
+              <a:t>01.03.16</a:t>
             </a:fld>
             <a:endParaRPr lang="de-DE" sz="600" dirty="0">
               <a:solidFill>
@@ -2654,7 +2654,7 @@
                 <a:latin typeface="Avenir Light"/>
                 <a:cs typeface="Avenir Light"/>
               </a:rPr>
-              <a:t>30.11.15</a:t>
+              <a:t>01.03.16</a:t>
             </a:fld>
             <a:endParaRPr lang="de-DE" sz="600" dirty="0">
               <a:solidFill>
@@ -4004,7 +4004,7 @@
         <p:spPr/>
         <p:txBody>
           <a:bodyPr>
-            <a:normAutofit lnSpcReduction="10000"/>
+            <a:normAutofit/>
           </a:bodyPr>
           <a:lstStyle/>
           <a:p>
@@ -4164,45 +4164,26 @@
           </a:p>
           <a:p>
             <a:r>
-              <a:rPr lang="de-DE" dirty="0" smtClean="0"/>
-              <a:t>Für </a:t>
-            </a:r>
-            <a:r>
               <a:rPr lang="de-DE" dirty="0"/>
-              <a:t>eine Teamzertifizierung ist es notwendig, dass ihr Euch als Team 2 Mal in der Woche </a:t>
-            </a:r>
-            <a:r>
-              <a:rPr lang="de-DE" dirty="0" smtClean="0"/>
-              <a:t>trefft, </a:t>
+              <a:t>Klebe in 2 Wochen 4 Zettel an die </a:t>
+            </a:r>
+            <a:r>
+              <a:rPr lang="de-DE" dirty="0" err="1"/>
+              <a:t>Snake</a:t>
             </a:r>
             <a:r>
               <a:rPr lang="de-DE" dirty="0"/>
-              <a:t>um die Argumente zu besprechen und </a:t>
-            </a:r>
-            <a:r>
-              <a:rPr lang="de-DE" dirty="0" smtClean="0"/>
-              <a:t>ggf. </a:t>
-            </a:r>
-            <a:r>
-              <a:rPr lang="de-DE" dirty="0"/>
-              <a:t>auch </a:t>
-            </a:r>
-            <a:r>
-              <a:rPr lang="de-DE" dirty="0" smtClean="0"/>
-              <a:t>in das Workshop- oder </a:t>
-            </a:r>
-            <a:r>
-              <a:rPr lang="de-DE" dirty="0" err="1" smtClean="0"/>
-              <a:t>Meetingergebnis</a:t>
-            </a:r>
-            <a:r>
-              <a:rPr lang="de-DE" dirty="0" smtClean="0"/>
-              <a:t> </a:t>
-            </a:r>
-            <a:r>
-              <a:rPr lang="de-DE" dirty="0"/>
-              <a:t>einzuarbeiten.</a:t>
-            </a:r>
+              <a:t>, zeige sie Deinem Team und lass Dich </a:t>
+            </a:r>
+            <a:r>
+              <a:rPr lang="de-DE"/>
+              <a:t>zertifizieren</a:t>
+            </a:r>
+            <a:r>
+              <a:rPr lang="de-DE" smtClean="0"/>
+              <a:t>.</a:t>
+            </a:r>
+            <a:endParaRPr lang="de-DE"/>
           </a:p>
           <a:p>
             <a:endParaRPr lang="de-DE" dirty="0"/>

--- a/training-cards/agile moves/Ideas (IDE)/ger/apprentice/ger_IDE_10_Drain_Snake_AM_A.pptx
+++ b/training-cards/agile moves/Ideas (IDE)/ger/apprentice/ger_IDE_10_Drain_Snake_AM_A.pptx
@@ -1092,7 +1092,7 @@
                 <a:latin typeface="Avenir Light"/>
                 <a:cs typeface="Avenir Light"/>
               </a:rPr>
-              <a:t>01.03.16</a:t>
+              <a:t>28.06.16</a:t>
             </a:fld>
             <a:endParaRPr lang="de-DE" sz="600" dirty="0">
               <a:solidFill>
@@ -1737,7 +1737,7 @@
                 <a:latin typeface="Avenir Light"/>
                 <a:cs typeface="Avenir Light"/>
               </a:rPr>
-              <a:t>01.03.16</a:t>
+              <a:t>28.06.16</a:t>
             </a:fld>
             <a:endParaRPr lang="de-DE" sz="600" dirty="0">
               <a:solidFill>
@@ -1874,7 +1874,7 @@
                 <a:latin typeface="Avenir Light"/>
                 <a:cs typeface="Avenir Light"/>
               </a:rPr>
-              <a:t>01.03.16</a:t>
+              <a:t>28.06.16</a:t>
             </a:fld>
             <a:endParaRPr lang="de-DE" sz="600" dirty="0">
               <a:solidFill>
@@ -2492,7 +2492,7 @@
                 <a:latin typeface="Avenir Light"/>
                 <a:cs typeface="Avenir Light"/>
               </a:rPr>
-              <a:t>01.03.16</a:t>
+              <a:t>28.06.16</a:t>
             </a:fld>
             <a:endParaRPr lang="de-DE" sz="600" dirty="0">
               <a:solidFill>
@@ -2654,7 +2654,7 @@
                 <a:latin typeface="Avenir Light"/>
                 <a:cs typeface="Avenir Light"/>
               </a:rPr>
-              <a:t>01.03.16</a:t>
+              <a:t>28.06.16</a:t>
             </a:fld>
             <a:endParaRPr lang="de-DE" sz="600" dirty="0">
               <a:solidFill>
@@ -3928,7 +3928,27 @@
             </a:r>
             <a:r>
               <a:rPr lang="de-DE" dirty="0"/>
-              <a:t>Zettel wird an eine gemeinsam vereinbarte Stelle für alle sichtbar aufgehängt.</a:t>
+              <a:t>Zettel wird </a:t>
+            </a:r>
+            <a:r>
+              <a:rPr lang="de-DE" dirty="0" smtClean="0"/>
+              <a:t>nach Möglichkeit an </a:t>
+            </a:r>
+            <a:r>
+              <a:rPr lang="de-DE" dirty="0"/>
+              <a:t>eine </a:t>
+            </a:r>
+            <a:r>
+              <a:rPr lang="de-DE" dirty="0" smtClean="0"/>
+              <a:t>vereinbarte </a:t>
+            </a:r>
+            <a:r>
+              <a:rPr lang="de-DE" dirty="0"/>
+              <a:t>Stelle für alle sichtbar </a:t>
+            </a:r>
+            <a:r>
+              <a:rPr lang="de-DE" dirty="0" smtClean="0"/>
+              <a:t>aufgehängt. In verteilt arbeitenden Teams (Remote Teams) geschieht dies online.</a:t>
             </a:r>
             <a:endParaRPr lang="de-DE" dirty="0" smtClean="0"/>
           </a:p>
@@ -4101,7 +4121,7 @@
               <a:t>Schlange </a:t>
             </a:r>
             <a:r>
-              <a:rPr lang="de-DE" dirty="0"/>
+              <a:rPr lang="de-DE" dirty="0" smtClean="0"/>
               <a:t>entsteht</a:t>
             </a:r>
             <a:r>
@@ -4112,80 +4132,69 @@
           </a:p>
           <a:p>
             <a:r>
+              <a:rPr lang="de-DE" dirty="0" smtClean="0"/>
+              <a:t>Verteilt </a:t>
+            </a:r>
+            <a:r>
               <a:rPr lang="de-DE" dirty="0"/>
-              <a:t>Dabei geht es ganz bewusst um die </a:t>
+              <a:t>arbeitende Teams (Remote Teams) lassen die Schlange mit einem geeigneten </a:t>
             </a:r>
             <a:r>
               <a:rPr lang="de-DE" dirty="0" smtClean="0"/>
-              <a:t>subjektiven Gedanken jedes </a:t>
+              <a:t/>
+            </a:r>
+            <a:br>
+              <a:rPr lang="de-DE" dirty="0" smtClean="0"/>
+            </a:br>
+            <a:r>
+              <a:rPr lang="de-DE" dirty="0" smtClean="0"/>
+              <a:t>Online</a:t>
             </a:r>
             <a:r>
               <a:rPr lang="de-DE" dirty="0"/>
-              <a:t>Einzelnen.</a:t>
-            </a:r>
-          </a:p>
-          <a:p>
+              <a:t>-Tool (z.B. </a:t>
+            </a:r>
+            <a:r>
+              <a:rPr lang="de-DE" dirty="0" err="1"/>
+              <a:t>linoit.com</a:t>
+            </a:r>
             <a:r>
               <a:rPr lang="de-DE" dirty="0"/>
-              <a:t>Zettel werden nicht bewertet oder kommentiert!</a:t>
-            </a:r>
-          </a:p>
-          <a:p>
+              <a:t>, </a:t>
+            </a:r>
+            <a:r>
+              <a:rPr lang="de-DE" dirty="0" err="1"/>
+              <a:t>trello.com</a:t>
+            </a:r>
             <a:r>
               <a:rPr lang="de-DE" dirty="0"/>
-              <a:t>Nur der Zettelschreiber hat das Recht, seinen Zettel zu verändern oder abzunehmen.</a:t>
-            </a:r>
-          </a:p>
-          <a:p>
+              <a:t>) für alle sichtbar entstehen.</a:t>
+            </a:r>
+          </a:p>
+          <a:p>
+            <a:r>
+              <a:rPr lang="de-DE" dirty="0" smtClean="0"/>
+              <a:t>Dabei </a:t>
+            </a:r>
             <a:r>
               <a:rPr lang="de-DE" dirty="0"/>
-              <a:t>Jeder weitere Zettel </a:t>
-            </a:r>
+              <a:t>geht es ganz bewusst um die subjektiven Gedanken jedes Einzelnen. </a:t>
+            </a:r>
+            <a:endParaRPr lang="de-DE" dirty="0" smtClean="0"/>
+          </a:p>
+          <a:p>
             <a:r>
               <a:rPr lang="de-DE" dirty="0" smtClean="0"/>
-              <a:t>wird </a:t>
+              <a:t>Es </a:t>
             </a:r>
             <a:r>
               <a:rPr lang="de-DE" dirty="0"/>
-              <a:t>dazu geheftet, so dass nach und nach eine Schlange (</a:t>
-            </a:r>
-            <a:r>
-              <a:rPr lang="de-DE" dirty="0" err="1"/>
-              <a:t>Snake</a:t>
-            </a:r>
-            <a:r>
-              <a:rPr lang="de-DE" dirty="0"/>
-              <a:t>) entsteht</a:t>
+              <a:t>können neue Argumente sein, die Du auf die Zettel schreibst oder Du bestätigst ein Argument, das bereits da war</a:t>
             </a:r>
             <a:r>
               <a:rPr lang="de-DE" dirty="0" smtClean="0"/>
               <a:t>.</a:t>
             </a:r>
-          </a:p>
-          <a:p>
-            <a:r>
-              <a:rPr lang="de-DE" dirty="0"/>
-              <a:t>Klebe in 2 Wochen 4 Zettel an die </a:t>
-            </a:r>
-            <a:r>
-              <a:rPr lang="de-DE" dirty="0" err="1"/>
-              <a:t>Snake</a:t>
-            </a:r>
-            <a:r>
-              <a:rPr lang="de-DE" dirty="0"/>
-              <a:t>, zeige sie Deinem Team und lass Dich </a:t>
-            </a:r>
-            <a:r>
-              <a:rPr lang="de-DE"/>
-              <a:t>zertifizieren</a:t>
-            </a:r>
-            <a:r>
-              <a:rPr lang="de-DE" smtClean="0"/>
-              <a:t>.</a:t>
-            </a:r>
-            <a:endParaRPr lang="de-DE"/>
-          </a:p>
-          <a:p>
             <a:endParaRPr lang="de-DE" dirty="0"/>
           </a:p>
         </p:txBody>
